--- a/Presentazione_IUM.pptx
+++ b/Presentazione_IUM.pptx
@@ -5,7 +5,7 @@
     <p:sldMasterId id="2147484426" r:id="rId1"/>
   </p:sldMasterIdLst>
   <p:notesMasterIdLst>
-    <p:notesMasterId r:id="rId18"/>
+    <p:notesMasterId r:id="rId19"/>
   </p:notesMasterIdLst>
   <p:sldIdLst>
     <p:sldId id="256" r:id="rId2"/>
@@ -23,7 +23,8 @@
     <p:sldId id="268" r:id="rId14"/>
     <p:sldId id="270" r:id="rId15"/>
     <p:sldId id="271" r:id="rId16"/>
-    <p:sldId id="272" r:id="rId17"/>
+    <p:sldId id="273" r:id="rId17"/>
+    <p:sldId id="272" r:id="rId18"/>
   </p:sldIdLst>
   <p:sldSz cx="12192000" cy="6858000"/>
   <p:notesSz cx="6858000" cy="9144000"/>
@@ -142,6 +143,7 @@
             <p14:sldId id="268"/>
             <p14:sldId id="270"/>
             <p14:sldId id="271"/>
+            <p14:sldId id="273"/>
             <p14:sldId id="272"/>
           </p14:sldIdLst>
         </p14:section>
@@ -10741,6 +10743,356 @@
 </file>
 
 <file path=ppt/slides/slide16.xml><?xml version="1.0" encoding="utf-8"?>
+<p:sld xmlns:a="http://schemas.openxmlformats.org/drawingml/2006/main" xmlns:r="http://schemas.openxmlformats.org/officeDocument/2006/relationships" xmlns:p="http://schemas.openxmlformats.org/presentationml/2006/main">
+  <p:cSld>
+    <p:bg>
+      <p:bgPr>
+        <a:solidFill>
+          <a:srgbClr val="36A1BA"/>
+        </a:solidFill>
+        <a:effectLst/>
+      </p:bgPr>
+    </p:bg>
+    <p:spTree>
+      <p:nvGrpSpPr>
+        <p:cNvPr id="1" name=""/>
+        <p:cNvGrpSpPr/>
+        <p:nvPr/>
+      </p:nvGrpSpPr>
+      <p:grpSpPr>
+        <a:xfrm>
+          <a:off x="0" y="0"/>
+          <a:ext cx="0" cy="0"/>
+          <a:chOff x="0" y="0"/>
+          <a:chExt cx="0" cy="0"/>
+        </a:xfrm>
+      </p:grpSpPr>
+      <p:pic>
+        <p:nvPicPr>
+          <p:cNvPr id="5" name="Immagine 4" descr="Immagine che contiene testo, schermata, design&#10;&#10;Descrizione generata automaticamente">
+            <a:extLst>
+              <a:ext uri="{FF2B5EF4-FFF2-40B4-BE49-F238E27FC236}">
+                <a16:creationId xmlns:a16="http://schemas.microsoft.com/office/drawing/2014/main" id="{48CA0B72-191A-4E98-3846-97F6FBEC1510}"/>
+              </a:ext>
+            </a:extLst>
+          </p:cNvPr>
+          <p:cNvPicPr>
+            <a:picLocks noChangeAspect="1"/>
+          </p:cNvPicPr>
+          <p:nvPr/>
+        </p:nvPicPr>
+        <p:blipFill>
+          <a:blip r:embed="rId2">
+            <a:extLst>
+              <a:ext uri="{28A0092B-C50C-407E-A947-70E740481C1C}">
+                <a14:useLocalDpi xmlns:a14="http://schemas.microsoft.com/office/drawing/2010/main" val="0"/>
+              </a:ext>
+            </a:extLst>
+          </a:blip>
+          <a:stretch>
+            <a:fillRect/>
+          </a:stretch>
+        </p:blipFill>
+        <p:spPr>
+          <a:xfrm>
+            <a:off x="259517" y="84808"/>
+            <a:ext cx="2022859" cy="3238495"/>
+          </a:xfrm>
+          <a:prstGeom prst="rect">
+            <a:avLst/>
+          </a:prstGeom>
+        </p:spPr>
+      </p:pic>
+      <p:pic>
+        <p:nvPicPr>
+          <p:cNvPr id="7" name="Immagine 6" descr="Immagine che contiene testo, schermata, design, Carattere&#10;&#10;Descrizione generata automaticamente">
+            <a:extLst>
+              <a:ext uri="{FF2B5EF4-FFF2-40B4-BE49-F238E27FC236}">
+                <a16:creationId xmlns:a16="http://schemas.microsoft.com/office/drawing/2014/main" id="{27B89FB3-3E25-73BB-D2FF-618E554F6033}"/>
+              </a:ext>
+            </a:extLst>
+          </p:cNvPr>
+          <p:cNvPicPr>
+            <a:picLocks noChangeAspect="1"/>
+          </p:cNvPicPr>
+          <p:nvPr/>
+        </p:nvPicPr>
+        <p:blipFill>
+          <a:blip r:embed="rId3">
+            <a:extLst>
+              <a:ext uri="{28A0092B-C50C-407E-A947-70E740481C1C}">
+                <a14:useLocalDpi xmlns:a14="http://schemas.microsoft.com/office/drawing/2010/main" val="0"/>
+              </a:ext>
+            </a:extLst>
+          </a:blip>
+          <a:stretch>
+            <a:fillRect/>
+          </a:stretch>
+        </p:blipFill>
+        <p:spPr>
+          <a:xfrm>
+            <a:off x="2654711" y="84806"/>
+            <a:ext cx="2022859" cy="3238495"/>
+          </a:xfrm>
+          <a:prstGeom prst="rect">
+            <a:avLst/>
+          </a:prstGeom>
+        </p:spPr>
+      </p:pic>
+      <p:pic>
+        <p:nvPicPr>
+          <p:cNvPr id="9" name="Immagine 8" descr="Immagine che contiene testo, schermata, Carattere, design&#10;&#10;Descrizione generata automaticamente">
+            <a:extLst>
+              <a:ext uri="{FF2B5EF4-FFF2-40B4-BE49-F238E27FC236}">
+                <a16:creationId xmlns:a16="http://schemas.microsoft.com/office/drawing/2014/main" id="{A58C9BE0-B487-ABAD-F4B9-3600ECD9D393}"/>
+              </a:ext>
+            </a:extLst>
+          </p:cNvPr>
+          <p:cNvPicPr>
+            <a:picLocks noChangeAspect="1"/>
+          </p:cNvPicPr>
+          <p:nvPr/>
+        </p:nvPicPr>
+        <p:blipFill>
+          <a:blip r:embed="rId4">
+            <a:extLst>
+              <a:ext uri="{28A0092B-C50C-407E-A947-70E740481C1C}">
+                <a14:useLocalDpi xmlns:a14="http://schemas.microsoft.com/office/drawing/2010/main" val="0"/>
+              </a:ext>
+            </a:extLst>
+          </a:blip>
+          <a:stretch>
+            <a:fillRect/>
+          </a:stretch>
+        </p:blipFill>
+        <p:spPr>
+          <a:xfrm>
+            <a:off x="5084570" y="84807"/>
+            <a:ext cx="2022859" cy="3238495"/>
+          </a:xfrm>
+          <a:prstGeom prst="rect">
+            <a:avLst/>
+          </a:prstGeom>
+        </p:spPr>
+      </p:pic>
+      <p:pic>
+        <p:nvPicPr>
+          <p:cNvPr id="11" name="Immagine 10" descr="Immagine che contiene testo, schermata, Parallelo, design&#10;&#10;Descrizione generata automaticamente">
+            <a:extLst>
+              <a:ext uri="{FF2B5EF4-FFF2-40B4-BE49-F238E27FC236}">
+                <a16:creationId xmlns:a16="http://schemas.microsoft.com/office/drawing/2014/main" id="{C3C0D528-DB86-76AE-0D9E-B90442E12FE5}"/>
+              </a:ext>
+            </a:extLst>
+          </p:cNvPr>
+          <p:cNvPicPr>
+            <a:picLocks noChangeAspect="1"/>
+          </p:cNvPicPr>
+          <p:nvPr/>
+        </p:nvPicPr>
+        <p:blipFill>
+          <a:blip r:embed="rId5">
+            <a:extLst>
+              <a:ext uri="{28A0092B-C50C-407E-A947-70E740481C1C}">
+                <a14:useLocalDpi xmlns:a14="http://schemas.microsoft.com/office/drawing/2010/main" val="0"/>
+              </a:ext>
+            </a:extLst>
+          </a:blip>
+          <a:stretch>
+            <a:fillRect/>
+          </a:stretch>
+        </p:blipFill>
+        <p:spPr>
+          <a:xfrm>
+            <a:off x="7514429" y="84808"/>
+            <a:ext cx="2022859" cy="3238495"/>
+          </a:xfrm>
+          <a:prstGeom prst="rect">
+            <a:avLst/>
+          </a:prstGeom>
+        </p:spPr>
+      </p:pic>
+      <p:pic>
+        <p:nvPicPr>
+          <p:cNvPr id="13" name="Immagine 12" descr="Immagine che contiene testo, schermata, Pagina Web, design&#10;&#10;Descrizione generata automaticamente">
+            <a:extLst>
+              <a:ext uri="{FF2B5EF4-FFF2-40B4-BE49-F238E27FC236}">
+                <a16:creationId xmlns:a16="http://schemas.microsoft.com/office/drawing/2014/main" id="{E3D43E4C-EA0E-0931-C687-1C83E3122AEA}"/>
+              </a:ext>
+            </a:extLst>
+          </p:cNvPr>
+          <p:cNvPicPr>
+            <a:picLocks noChangeAspect="1"/>
+          </p:cNvPicPr>
+          <p:nvPr/>
+        </p:nvPicPr>
+        <p:blipFill>
+          <a:blip r:embed="rId6">
+            <a:extLst>
+              <a:ext uri="{28A0092B-C50C-407E-A947-70E740481C1C}">
+                <a14:useLocalDpi xmlns:a14="http://schemas.microsoft.com/office/drawing/2010/main" val="0"/>
+              </a:ext>
+            </a:extLst>
+          </a:blip>
+          <a:stretch>
+            <a:fillRect/>
+          </a:stretch>
+        </p:blipFill>
+        <p:spPr>
+          <a:xfrm>
+            <a:off x="9913500" y="84808"/>
+            <a:ext cx="2022859" cy="3238495"/>
+          </a:xfrm>
+          <a:prstGeom prst="rect">
+            <a:avLst/>
+          </a:prstGeom>
+        </p:spPr>
+      </p:pic>
+      <p:pic>
+        <p:nvPicPr>
+          <p:cNvPr id="15" name="Immagine 14" descr="Immagine che contiene testo, schermata, Carattere, design&#10;&#10;Descrizione generata automaticamente">
+            <a:extLst>
+              <a:ext uri="{FF2B5EF4-FFF2-40B4-BE49-F238E27FC236}">
+                <a16:creationId xmlns:a16="http://schemas.microsoft.com/office/drawing/2014/main" id="{DD9E7730-2FD0-51CE-ABF4-0F122B3D9019}"/>
+              </a:ext>
+            </a:extLst>
+          </p:cNvPr>
+          <p:cNvPicPr>
+            <a:picLocks noChangeAspect="1"/>
+          </p:cNvPicPr>
+          <p:nvPr/>
+        </p:nvPicPr>
+        <p:blipFill>
+          <a:blip r:embed="rId7">
+            <a:extLst>
+              <a:ext uri="{28A0092B-C50C-407E-A947-70E740481C1C}">
+                <a14:useLocalDpi xmlns:a14="http://schemas.microsoft.com/office/drawing/2010/main" val="0"/>
+              </a:ext>
+            </a:extLst>
+          </a:blip>
+          <a:stretch>
+            <a:fillRect/>
+          </a:stretch>
+        </p:blipFill>
+        <p:spPr>
+          <a:xfrm>
+            <a:off x="1270946" y="3429000"/>
+            <a:ext cx="2022859" cy="3238495"/>
+          </a:xfrm>
+          <a:prstGeom prst="rect">
+            <a:avLst/>
+          </a:prstGeom>
+        </p:spPr>
+      </p:pic>
+      <p:pic>
+        <p:nvPicPr>
+          <p:cNvPr id="17" name="Immagine 16" descr="Immagine che contiene testo, schermata, design, Carattere&#10;&#10;Descrizione generata automaticamente">
+            <a:extLst>
+              <a:ext uri="{FF2B5EF4-FFF2-40B4-BE49-F238E27FC236}">
+                <a16:creationId xmlns:a16="http://schemas.microsoft.com/office/drawing/2014/main" id="{FA836DF8-4AB3-5EA4-35D6-27DE6E0A53C6}"/>
+              </a:ext>
+            </a:extLst>
+          </p:cNvPr>
+          <p:cNvPicPr>
+            <a:picLocks noChangeAspect="1"/>
+          </p:cNvPicPr>
+          <p:nvPr/>
+        </p:nvPicPr>
+        <p:blipFill>
+          <a:blip r:embed="rId8">
+            <a:extLst>
+              <a:ext uri="{28A0092B-C50C-407E-A947-70E740481C1C}">
+                <a14:useLocalDpi xmlns:a14="http://schemas.microsoft.com/office/drawing/2010/main" val="0"/>
+              </a:ext>
+            </a:extLst>
+          </a:blip>
+          <a:stretch>
+            <a:fillRect/>
+          </a:stretch>
+        </p:blipFill>
+        <p:spPr>
+          <a:xfrm>
+            <a:off x="3666140" y="3429000"/>
+            <a:ext cx="2022859" cy="3238495"/>
+          </a:xfrm>
+          <a:prstGeom prst="rect">
+            <a:avLst/>
+          </a:prstGeom>
+        </p:spPr>
+      </p:pic>
+      <p:sp>
+        <p:nvSpPr>
+          <p:cNvPr id="18" name="Rettangolo 17">
+            <a:extLst>
+              <a:ext uri="{FF2B5EF4-FFF2-40B4-BE49-F238E27FC236}">
+                <a16:creationId xmlns:a16="http://schemas.microsoft.com/office/drawing/2014/main" id="{2A7C19A8-65B9-662F-58E3-7A5FA853EA9A}"/>
+              </a:ext>
+            </a:extLst>
+          </p:cNvPr>
+          <p:cNvSpPr/>
+          <p:nvPr/>
+        </p:nvSpPr>
+        <p:spPr>
+          <a:xfrm>
+            <a:off x="6061334" y="3534698"/>
+            <a:ext cx="5445773" cy="2585323"/>
+          </a:xfrm>
+          <a:prstGeom prst="rect">
+            <a:avLst/>
+          </a:prstGeom>
+          <a:noFill/>
+        </p:spPr>
+        <p:txBody>
+          <a:bodyPr wrap="square" lIns="91440" tIns="45720" rIns="91440" bIns="45720">
+            <a:spAutoFit/>
+          </a:bodyPr>
+          <a:lstStyle/>
+          <a:p>
+            <a:pPr algn="ctr"/>
+            <a:r>
+              <a:rPr lang="it-IT" sz="5400" b="1" dirty="0">
+                <a:ln w="12700">
+                  <a:solidFill>
+                    <a:schemeClr val="tx1"/>
+                  </a:solidFill>
+                  <a:prstDash val="solid"/>
+                </a:ln>
+                <a:pattFill prst="ltDnDiag">
+                  <a:fgClr>
+                    <a:schemeClr val="accent5">
+                      <a:lumMod val="60000"/>
+                      <a:lumOff val="40000"/>
+                    </a:schemeClr>
+                  </a:fgClr>
+                  <a:bgClr>
+                    <a:schemeClr val="bg1"/>
+                  </a:bgClr>
+                </a:pattFill>
+                <a:effectLst>
+                  <a:reflection blurRad="6350" stA="60000" endA="900" endPos="58000" dir="5400000" sy="-100000" algn="bl" rotWithShape="0"/>
+                </a:effectLst>
+              </a:rPr>
+              <a:t>Esempio utilizzo con nuovo account</a:t>
+            </a:r>
+          </a:p>
+        </p:txBody>
+      </p:sp>
+    </p:spTree>
+    <p:extLst>
+      <p:ext uri="{BB962C8B-B14F-4D97-AF65-F5344CB8AC3E}">
+        <p14:creationId xmlns:p14="http://schemas.microsoft.com/office/powerpoint/2010/main" val="3225571335"/>
+      </p:ext>
+    </p:extLst>
+  </p:cSld>
+  <p:clrMapOvr>
+    <a:masterClrMapping/>
+  </p:clrMapOvr>
+  <p:transition spd="slow" advClick="0">
+    <p:wipe/>
+  </p:transition>
+</p:sld>
+</file>
+
+<file path=ppt/slides/slide17.xml><?xml version="1.0" encoding="utf-8"?>
 <p:sld xmlns:a="http://schemas.openxmlformats.org/drawingml/2006/main" xmlns:r="http://schemas.openxmlformats.org/officeDocument/2006/relationships" xmlns:p="http://schemas.openxmlformats.org/presentationml/2006/main">
   <p:cSld>
     <p:bg>
@@ -14039,7 +14391,7 @@
         </p:spPr>
         <p:txBody>
           <a:bodyPr>
-            <a:normAutofit fontScale="92500" lnSpcReduction="20000"/>
+            <a:normAutofit fontScale="85000" lnSpcReduction="10000"/>
           </a:bodyPr>
           <a:lstStyle/>
           <a:p>
@@ -14136,7 +14488,20 @@
                   <a:schemeClr val="tx1"/>
                 </a:solidFill>
               </a:rPr>
-              <a:t>???</a:t>
+              <a:t>Entusiasta della nostra idea, in quanto gli semplifica</a:t>
+            </a:r>
+          </a:p>
+          <a:p>
+            <a:pPr marL="457200" lvl="1" indent="0">
+              <a:buNone/>
+            </a:pPr>
+            <a:r>
+              <a:rPr lang="it-IT" dirty="0">
+                <a:solidFill>
+                  <a:schemeClr val="tx1"/>
+                </a:solidFill>
+              </a:rPr>
+              <a:t>il recarsi da un medico</a:t>
             </a:r>
           </a:p>
           <a:p>
